--- a/Automation Testing.pptx
+++ b/Automation Testing.pptx
@@ -3685,30 +3685,6 @@
               </a:rPr>
               <a:t>	Suresh Kumar Srinivasan</a:t>
             </a:r>
-          </a:p>
-          <a:p>
-            <a:pPr algn="ctr"/>
-            <a:r>
-              <a:rPr lang="en-MY" sz="2400" b="1" dirty="0">
-                <a:latin typeface="Trebuchet MS" panose="020B0603020202020204" pitchFamily="34" charset="0"/>
-              </a:rPr>
-              <a:t> </a:t>
-            </a:r>
-            <a:r>
-              <a:rPr lang="en-MY" sz="2400" b="1" dirty="0" smtClean="0">
-                <a:latin typeface="Trebuchet MS" panose="020B0603020202020204" pitchFamily="34" charset="0"/>
-              </a:rPr>
-              <a:t>   (Lead Product Efficiency Engineer</a:t>
-            </a:r>
-            <a:r>
-              <a:rPr lang="en-MY" sz="2400" b="1" dirty="0">
-                <a:latin typeface="Trebuchet MS" panose="020B0603020202020204" pitchFamily="34" charset="0"/>
-              </a:rPr>
-              <a:t>)</a:t>
-            </a:r>
-            <a:endParaRPr lang="en-MY" sz="2400" b="1" dirty="0" smtClean="0">
-              <a:latin typeface="Trebuchet MS" panose="020B0603020202020204" pitchFamily="34" charset="0"/>
-            </a:endParaRPr>
           </a:p>
           <a:p>
             <a:pPr algn="ctr"/>
